--- a/Lecture 4/rnn.pptx
+++ b/Lecture 4/rnn.pptx
@@ -5200,7 +5200,7 @@
           <a:p>
             <a:r>
               <a:rPr lang="en-US"/>
-              <a:t>Recursive Neural Networks</a:t>
+              <a:t>Recurrent Neural Networks</a:t>
             </a:r>
             <a:endParaRPr lang="en-US"/>
           </a:p>
@@ -5234,7 +5234,11 @@
             </a:r>
             <a:r>
               <a:rPr lang="en-US" b="1"/>
-              <a:t>Recursive Neural Network</a:t>
+              <a:t>Recurrent</a:t>
+            </a:r>
+            <a:r>
+              <a:rPr lang="en-US" b="1"/>
+              <a:t> Neural Network</a:t>
             </a:r>
             <a:r>
               <a:rPr lang="en-US"/>
@@ -5266,7 +5270,7 @@
             </a:r>
             <a:r>
               <a:rPr lang="en-US" b="1"/>
-              <a:t>weights recursively </a:t>
+              <a:t>weights recurrently </a:t>
             </a:r>
             <a:r>
               <a:rPr lang="en-US"/>
@@ -6292,7 +6296,7 @@
           <a:p>
             <a:r>
               <a:rPr lang="en-US"/>
-              <a:t>All the recursive networks should have:</a:t>
+              <a:t>All the recurrent networks should have:</a:t>
             </a:r>
             <a:endParaRPr lang="en-US"/>
           </a:p>
@@ -6372,7 +6376,7 @@
           <a:p>
             <a:r>
               <a:rPr lang="en-US"/>
-              <a:t>Recursive Neural Networks: how to build a simple one</a:t>
+              <a:t>Recurrent Neural Networks: how to build a simple one</a:t>
             </a:r>
             <a:endParaRPr lang="en-US"/>
           </a:p>
@@ -7738,7 +7742,7 @@
               <a:rPr lang="en-US">
                 <a:sym typeface="+mn-ea"/>
               </a:rPr>
-              <a:t>Recursive Neural Networks: Applications</a:t>
+              <a:t>Recurrent Neural Networks: Applications</a:t>
             </a:r>
             <a:endParaRPr lang="en-US"/>
           </a:p>
@@ -7765,7 +7769,7 @@
             </a:pPr>
             <a:r>
               <a:rPr lang="en-US" b="1"/>
-              <a:t>Recursive Neural Networks</a:t>
+              <a:t>Recurrent Neural Networks</a:t>
             </a:r>
             <a:r>
               <a:rPr lang="en-US"/>
@@ -7781,15 +7785,7 @@
             </a:r>
             <a:r>
               <a:rPr lang="en-US" b="1"/>
-              <a:t>process hierarchical </a:t>
-            </a:r>
-            <a:r>
-              <a:rPr lang="en-US"/>
-              <a:t>and </a:t>
-            </a:r>
-            <a:r>
-              <a:rPr lang="en-US" b="1"/>
-              <a:t>time-varying </a:t>
+              <a:t>process time-varying </a:t>
             </a:r>
             <a:r>
               <a:rPr lang="en-US"/>
@@ -7998,7 +7994,7 @@
               <a:rPr lang="en-US" sz="2000">
                 <a:sym typeface="+mn-ea"/>
               </a:rPr>
-              <a:t>Recursive Neural Networks: Computational Graph (end loss)</a:t>
+              <a:t>Recurrent Neural Networks: Computational Graph (end loss)</a:t>
             </a:r>
             <a:endParaRPr lang="en-US" sz="2000">
               <a:sym typeface="+mn-ea"/>
@@ -10109,7 +10105,7 @@
               <a:rPr lang="en-US" sz="2000">
                 <a:sym typeface="+mn-ea"/>
               </a:rPr>
-              <a:t>Recursive Neural Networks: Computational Graph (step loss)</a:t>
+              <a:t>Recurrent Neural Networks: Computational Graph (step loss)</a:t>
             </a:r>
             <a:endParaRPr lang="en-US" sz="2000">
               <a:sym typeface="+mn-ea"/>
